--- a/Explanation.pptx
+++ b/Explanation.pptx
@@ -8,6 +8,7 @@
     <p:sldId id="256" r:id="rId2"/>
     <p:sldId id="257" r:id="rId3"/>
     <p:sldId id="258" r:id="rId4"/>
+    <p:sldId id="259" r:id="rId5"/>
   </p:sldIdLst>
   <p:sldSz cx="12192000" cy="6858000"/>
   <p:notesSz cx="6858000" cy="9144000"/>
@@ -106,6 +107,11 @@
       </a:defRPr>
     </a:lvl9pPr>
   </p:defaultTextStyle>
+  <p:extLst>
+    <p:ext uri="{EFAFB233-063F-42B5-8137-9DF3F51BA10A}">
+      <p15:sldGuideLst xmlns:p15="http://schemas.microsoft.com/office/powerpoint/2012/main"/>
+    </p:ext>
+  </p:extLst>
 </p:presentation>
 </file>
 
@@ -3390,7 +3396,7 @@
           <a:bodyPr/>
           <a:lstStyle/>
           <a:p>
-            <a:endParaRPr lang="en-SG"/>
+            <a:endParaRPr lang="en-SG" dirty="0"/>
           </a:p>
         </p:txBody>
       </p:sp>
@@ -3913,7 +3919,15 @@
           <a:bodyPr/>
           <a:lstStyle/>
           <a:p>
-            <a:endParaRPr lang="en-SG"/>
+            <a:r>
+              <a:rPr lang="en-US" dirty="0"/>
+              <a:t>Determination of </a:t>
+            </a:r>
+            <a:r>
+              <a:rPr lang="en-US" dirty="0" err="1"/>
+              <a:t>N_particles</a:t>
+            </a:r>
+            <a:endParaRPr lang="en-SG" dirty="0"/>
           </a:p>
         </p:txBody>
       </p:sp>
@@ -3942,10 +3956,177 @@
           </a:p>
         </p:txBody>
       </p:sp>
+      <p:pic>
+        <p:nvPicPr>
+          <p:cNvPr id="5" name="Picture 4">
+            <a:extLst>
+              <a:ext uri="{FF2B5EF4-FFF2-40B4-BE49-F238E27FC236}">
+                <a16:creationId xmlns:a16="http://schemas.microsoft.com/office/drawing/2014/main" id="{4047A5A7-E1EE-4869-AE49-8C89E9CE8577}"/>
+              </a:ext>
+            </a:extLst>
+          </p:cNvPr>
+          <p:cNvPicPr>
+            <a:picLocks noChangeAspect="1"/>
+          </p:cNvPicPr>
+          <p:nvPr/>
+        </p:nvPicPr>
+        <p:blipFill rotWithShape="1">
+          <a:blip r:embed="rId2"/>
+          <a:srcRect l="31756" t="2128" r="31861" b="39575"/>
+          <a:stretch/>
+        </p:blipFill>
+        <p:spPr>
+          <a:xfrm>
+            <a:off x="1429965" y="2002259"/>
+            <a:ext cx="4435813" cy="3998069"/>
+          </a:xfrm>
+          <a:prstGeom prst="rect">
+            <a:avLst/>
+          </a:prstGeom>
+        </p:spPr>
+      </p:pic>
+      <p:pic>
+        <p:nvPicPr>
+          <p:cNvPr id="7" name="Picture 6">
+            <a:extLst>
+              <a:ext uri="{FF2B5EF4-FFF2-40B4-BE49-F238E27FC236}">
+                <a16:creationId xmlns:a16="http://schemas.microsoft.com/office/drawing/2014/main" id="{76E735F4-D99B-4FA2-BAE0-5B9A91EBF578}"/>
+              </a:ext>
+            </a:extLst>
+          </p:cNvPr>
+          <p:cNvPicPr>
+            <a:picLocks noChangeAspect="1"/>
+          </p:cNvPicPr>
+          <p:nvPr/>
+        </p:nvPicPr>
+        <p:blipFill rotWithShape="1">
+          <a:blip r:embed="rId3"/>
+          <a:srcRect l="31756" t="1986" r="31861" b="39716"/>
+          <a:stretch/>
+        </p:blipFill>
+        <p:spPr>
+          <a:xfrm>
+            <a:off x="6326222" y="2002259"/>
+            <a:ext cx="4435813" cy="3998069"/>
+          </a:xfrm>
+          <a:prstGeom prst="rect">
+            <a:avLst/>
+          </a:prstGeom>
+        </p:spPr>
+      </p:pic>
     </p:spTree>
     <p:extLst>
       <p:ext uri="{BB962C8B-B14F-4D97-AF65-F5344CB8AC3E}">
         <p14:creationId xmlns:p14="http://schemas.microsoft.com/office/powerpoint/2010/main" val="698626944"/>
+      </p:ext>
+    </p:extLst>
+  </p:cSld>
+  <p:clrMapOvr>
+    <a:masterClrMapping/>
+  </p:clrMapOvr>
+</p:sld>
+</file>
+
+<file path=ppt/slides/slide4.xml><?xml version="1.0" encoding="utf-8"?>
+<p:sld xmlns:a="http://schemas.openxmlformats.org/drawingml/2006/main" xmlns:r="http://schemas.openxmlformats.org/officeDocument/2006/relationships" xmlns:p="http://schemas.openxmlformats.org/presentationml/2006/main">
+  <p:cSld>
+    <p:spTree>
+      <p:nvGrpSpPr>
+        <p:cNvPr id="1" name=""/>
+        <p:cNvGrpSpPr/>
+        <p:nvPr/>
+      </p:nvGrpSpPr>
+      <p:grpSpPr>
+        <a:xfrm>
+          <a:off x="0" y="0"/>
+          <a:ext cx="0" cy="0"/>
+          <a:chOff x="0" y="0"/>
+          <a:chExt cx="0" cy="0"/>
+        </a:xfrm>
+      </p:grpSpPr>
+      <p:sp>
+        <p:nvSpPr>
+          <p:cNvPr id="2" name="Title 1">
+            <a:extLst>
+              <a:ext uri="{FF2B5EF4-FFF2-40B4-BE49-F238E27FC236}">
+                <a16:creationId xmlns:a16="http://schemas.microsoft.com/office/drawing/2014/main" id="{D0F1C205-D3C2-4FF1-821F-FB17D0DAECCC}"/>
+              </a:ext>
+            </a:extLst>
+          </p:cNvPr>
+          <p:cNvSpPr>
+            <a:spLocks noGrp="1"/>
+          </p:cNvSpPr>
+          <p:nvPr>
+            <p:ph type="title"/>
+          </p:nvPr>
+        </p:nvSpPr>
+        <p:spPr/>
+        <p:txBody>
+          <a:bodyPr/>
+          <a:lstStyle/>
+          <a:p>
+            <a:endParaRPr lang="en-SG" dirty="0"/>
+          </a:p>
+        </p:txBody>
+      </p:sp>
+      <p:sp>
+        <p:nvSpPr>
+          <p:cNvPr id="3" name="Content Placeholder 2">
+            <a:extLst>
+              <a:ext uri="{FF2B5EF4-FFF2-40B4-BE49-F238E27FC236}">
+                <a16:creationId xmlns:a16="http://schemas.microsoft.com/office/drawing/2014/main" id="{7DB6A316-E747-49E1-93D9-791B4CAAD68B}"/>
+              </a:ext>
+            </a:extLst>
+          </p:cNvPr>
+          <p:cNvSpPr>
+            <a:spLocks noGrp="1"/>
+          </p:cNvSpPr>
+          <p:nvPr>
+            <p:ph idx="1"/>
+          </p:nvPr>
+        </p:nvSpPr>
+        <p:spPr/>
+        <p:txBody>
+          <a:bodyPr/>
+          <a:lstStyle/>
+          <a:p>
+            <a:endParaRPr lang="en-SG" dirty="0"/>
+          </a:p>
+        </p:txBody>
+      </p:sp>
+      <p:pic>
+        <p:nvPicPr>
+          <p:cNvPr id="5" name="Picture 4">
+            <a:extLst>
+              <a:ext uri="{FF2B5EF4-FFF2-40B4-BE49-F238E27FC236}">
+                <a16:creationId xmlns:a16="http://schemas.microsoft.com/office/drawing/2014/main" id="{B8233B5D-5D03-4CDD-9C3F-BA8619E027B8}"/>
+              </a:ext>
+            </a:extLst>
+          </p:cNvPr>
+          <p:cNvPicPr>
+            <a:picLocks noChangeAspect="1"/>
+          </p:cNvPicPr>
+          <p:nvPr/>
+        </p:nvPicPr>
+        <p:blipFill rotWithShape="1">
+          <a:blip r:embed="rId2"/>
+          <a:srcRect l="31676" t="2269" r="32021" b="40143"/>
+          <a:stretch/>
+        </p:blipFill>
+        <p:spPr>
+          <a:xfrm>
+            <a:off x="972766" y="1874162"/>
+            <a:ext cx="4426085" cy="3949430"/>
+          </a:xfrm>
+          <a:prstGeom prst="rect">
+            <a:avLst/>
+          </a:prstGeom>
+        </p:spPr>
+      </p:pic>
+    </p:spTree>
+    <p:extLst>
+      <p:ext uri="{BB962C8B-B14F-4D97-AF65-F5344CB8AC3E}">
+        <p14:creationId xmlns:p14="http://schemas.microsoft.com/office/powerpoint/2010/main" val="3404745805"/>
       </p:ext>
     </p:extLst>
   </p:cSld>
